--- a/public/v1presentation.pptx
+++ b/public/v1presentation.pptx
@@ -6,9 +6,7 @@
   </p:sldMasterIdLst>
   <p:sldIdLst>
     <p:sldId id="259" r:id="rId2"/>
-    <p:sldId id="257" r:id="rId3"/>
-    <p:sldId id="256" r:id="rId4"/>
-    <p:sldId id="258" r:id="rId5"/>
+    <p:sldId id="256" r:id="rId3"/>
   </p:sldIdLst>
   <p:sldSz cx="9144000" cy="6858000" type="screen4x3"/>
   <p:notesSz cx="6858000" cy="9144000"/>
@@ -291,7 +289,7 @@
           <a:p>
             <a:fld id="{07FACC33-74BC-D74C-90B3-E94603BC566A}" type="datetimeFigureOut">
               <a:rPr lang="en-US" smtClean="0"/>
-              <a:t>28/01/2015</a:t>
+              <a:t>29/01/2015</a:t>
             </a:fld>
             <a:endParaRPr lang="en-US"/>
           </a:p>
@@ -461,7 +459,7 @@
           <a:p>
             <a:fld id="{07FACC33-74BC-D74C-90B3-E94603BC566A}" type="datetimeFigureOut">
               <a:rPr lang="en-US" smtClean="0"/>
-              <a:t>28/01/2015</a:t>
+              <a:t>29/01/2015</a:t>
             </a:fld>
             <a:endParaRPr lang="en-US"/>
           </a:p>
@@ -641,7 +639,7 @@
           <a:p>
             <a:fld id="{07FACC33-74BC-D74C-90B3-E94603BC566A}" type="datetimeFigureOut">
               <a:rPr lang="en-US" smtClean="0"/>
-              <a:t>28/01/2015</a:t>
+              <a:t>29/01/2015</a:t>
             </a:fld>
             <a:endParaRPr lang="en-US"/>
           </a:p>
@@ -811,7 +809,7 @@
           <a:p>
             <a:fld id="{07FACC33-74BC-D74C-90B3-E94603BC566A}" type="datetimeFigureOut">
               <a:rPr lang="en-US" smtClean="0"/>
-              <a:t>28/01/2015</a:t>
+              <a:t>29/01/2015</a:t>
             </a:fld>
             <a:endParaRPr lang="en-US"/>
           </a:p>
@@ -1057,7 +1055,7 @@
           <a:p>
             <a:fld id="{07FACC33-74BC-D74C-90B3-E94603BC566A}" type="datetimeFigureOut">
               <a:rPr lang="en-US" smtClean="0"/>
-              <a:t>28/01/2015</a:t>
+              <a:t>29/01/2015</a:t>
             </a:fld>
             <a:endParaRPr lang="en-US"/>
           </a:p>
@@ -1345,7 +1343,7 @@
           <a:p>
             <a:fld id="{07FACC33-74BC-D74C-90B3-E94603BC566A}" type="datetimeFigureOut">
               <a:rPr lang="en-US" smtClean="0"/>
-              <a:t>28/01/2015</a:t>
+              <a:t>29/01/2015</a:t>
             </a:fld>
             <a:endParaRPr lang="en-US"/>
           </a:p>
@@ -1767,7 +1765,7 @@
           <a:p>
             <a:fld id="{07FACC33-74BC-D74C-90B3-E94603BC566A}" type="datetimeFigureOut">
               <a:rPr lang="en-US" smtClean="0"/>
-              <a:t>28/01/2015</a:t>
+              <a:t>29/01/2015</a:t>
             </a:fld>
             <a:endParaRPr lang="en-US"/>
           </a:p>
@@ -1885,7 +1883,7 @@
           <a:p>
             <a:fld id="{07FACC33-74BC-D74C-90B3-E94603BC566A}" type="datetimeFigureOut">
               <a:rPr lang="en-US" smtClean="0"/>
-              <a:t>28/01/2015</a:t>
+              <a:t>29/01/2015</a:t>
             </a:fld>
             <a:endParaRPr lang="en-US"/>
           </a:p>
@@ -1980,7 +1978,7 @@
           <a:p>
             <a:fld id="{07FACC33-74BC-D74C-90B3-E94603BC566A}" type="datetimeFigureOut">
               <a:rPr lang="en-US" smtClean="0"/>
-              <a:t>28/01/2015</a:t>
+              <a:t>29/01/2015</a:t>
             </a:fld>
             <a:endParaRPr lang="en-US"/>
           </a:p>
@@ -2257,7 +2255,7 @@
           <a:p>
             <a:fld id="{07FACC33-74BC-D74C-90B3-E94603BC566A}" type="datetimeFigureOut">
               <a:rPr lang="en-US" smtClean="0"/>
-              <a:t>28/01/2015</a:t>
+              <a:t>29/01/2015</a:t>
             </a:fld>
             <a:endParaRPr lang="en-US"/>
           </a:p>
@@ -2510,7 +2508,7 @@
           <a:p>
             <a:fld id="{07FACC33-74BC-D74C-90B3-E94603BC566A}" type="datetimeFigureOut">
               <a:rPr lang="en-US" smtClean="0"/>
-              <a:t>28/01/2015</a:t>
+              <a:t>29/01/2015</a:t>
             </a:fld>
             <a:endParaRPr lang="en-US"/>
           </a:p>
@@ -2723,7 +2721,7 @@
           <a:p>
             <a:fld id="{07FACC33-74BC-D74C-90B3-E94603BC566A}" type="datetimeFigureOut">
               <a:rPr lang="en-US" smtClean="0"/>
-              <a:t>28/01/2015</a:t>
+              <a:t>29/01/2015</a:t>
             </a:fld>
             <a:endParaRPr lang="en-US"/>
           </a:p>
@@ -3372,73 +3370,6 @@
 </file>
 
 <file path=ppt/slides/slide2.xml><?xml version="1.0" encoding="utf-8"?>
-<p:sld xmlns:a="http://schemas.openxmlformats.org/drawingml/2006/main" xmlns:r="http://schemas.openxmlformats.org/officeDocument/2006/relationships" xmlns:p="http://schemas.openxmlformats.org/presentationml/2006/main">
-  <p:cSld>
-    <p:spTree>
-      <p:nvGrpSpPr>
-        <p:cNvPr id="1" name=""/>
-        <p:cNvGrpSpPr/>
-        <p:nvPr/>
-      </p:nvGrpSpPr>
-      <p:grpSpPr>
-        <a:xfrm>
-          <a:off x="0" y="0"/>
-          <a:ext cx="0" cy="0"/>
-          <a:chOff x="0" y="0"/>
-          <a:chExt cx="0" cy="0"/>
-        </a:xfrm>
-      </p:grpSpPr>
-      <p:sp>
-        <p:nvSpPr>
-          <p:cNvPr id="4" name="TextBox 3"/>
-          <p:cNvSpPr txBox="1"/>
-          <p:nvPr/>
-        </p:nvSpPr>
-        <p:spPr>
-          <a:xfrm>
-            <a:off x="2540000" y="1893455"/>
-            <a:ext cx="1443182" cy="369332"/>
-          </a:xfrm>
-          <a:prstGeom prst="rect">
-            <a:avLst/>
-          </a:prstGeom>
-          <a:noFill/>
-        </p:spPr>
-        <p:txBody>
-          <a:bodyPr wrap="square" rtlCol="0">
-            <a:spAutoFit/>
-          </a:bodyPr>
-          <a:lstStyle/>
-          <a:p>
-            <a:r>
-              <a:rPr lang="en-US" dirty="0" smtClean="0"/>
-              <a:t>Cause </a:t>
-            </a:r>
-            <a:endParaRPr lang="en-US" dirty="0"/>
-          </a:p>
-        </p:txBody>
-      </p:sp>
-    </p:spTree>
-    <p:extLst>
-      <p:ext uri="{BB962C8B-B14F-4D97-AF65-F5344CB8AC3E}">
-        <p14:creationId xmlns:p14="http://schemas.microsoft.com/office/powerpoint/2010/main" val="2448789171"/>
-      </p:ext>
-    </p:extLst>
-  </p:cSld>
-  <p:clrMapOvr>
-    <a:masterClrMapping/>
-  </p:clrMapOvr>
-  <p:timing>
-    <p:tnLst>
-      <p:par>
-        <p:cTn xmlns:p14="http://schemas.microsoft.com/office/powerpoint/2010/main" id="1" dur="indefinite" restart="never" nodeType="tmRoot"/>
-      </p:par>
-    </p:tnLst>
-  </p:timing>
-</p:sld>
-</file>
-
-<file path=ppt/slides/slide3.xml><?xml version="1.0" encoding="utf-8"?>
 <p:sld xmlns:a="http://schemas.openxmlformats.org/drawingml/2006/main" xmlns:r="http://schemas.openxmlformats.org/officeDocument/2006/relationships" xmlns:p="http://schemas.openxmlformats.org/presentationml/2006/main">
   <p:cSld>
     <p:spTree>
@@ -3891,73 +3822,6 @@
 </p:sld>
 </file>
 
-<file path=ppt/slides/slide4.xml><?xml version="1.0" encoding="utf-8"?>
-<p:sld xmlns:a="http://schemas.openxmlformats.org/drawingml/2006/main" xmlns:r="http://schemas.openxmlformats.org/officeDocument/2006/relationships" xmlns:p="http://schemas.openxmlformats.org/presentationml/2006/main">
-  <p:cSld>
-    <p:spTree>
-      <p:nvGrpSpPr>
-        <p:cNvPr id="1" name=""/>
-        <p:cNvGrpSpPr/>
-        <p:nvPr/>
-      </p:nvGrpSpPr>
-      <p:grpSpPr>
-        <a:xfrm>
-          <a:off x="0" y="0"/>
-          <a:ext cx="0" cy="0"/>
-          <a:chOff x="0" y="0"/>
-          <a:chExt cx="0" cy="0"/>
-        </a:xfrm>
-      </p:grpSpPr>
-      <p:sp>
-        <p:nvSpPr>
-          <p:cNvPr id="5" name="TextBox 4"/>
-          <p:cNvSpPr txBox="1"/>
-          <p:nvPr/>
-        </p:nvSpPr>
-        <p:spPr>
-          <a:xfrm>
-            <a:off x="3354109" y="2747879"/>
-            <a:ext cx="3561618" cy="369332"/>
-          </a:xfrm>
-          <a:prstGeom prst="rect">
-            <a:avLst/>
-          </a:prstGeom>
-          <a:noFill/>
-        </p:spPr>
-        <p:txBody>
-          <a:bodyPr wrap="square" rtlCol="0">
-            <a:spAutoFit/>
-          </a:bodyPr>
-          <a:lstStyle/>
-          <a:p>
-            <a:r>
-              <a:rPr lang="en-US" dirty="0" smtClean="0"/>
-              <a:t>Testing techs</a:t>
-            </a:r>
-            <a:endParaRPr lang="en-US" dirty="0"/>
-          </a:p>
-        </p:txBody>
-      </p:sp>
-    </p:spTree>
-    <p:extLst>
-      <p:ext uri="{BB962C8B-B14F-4D97-AF65-F5344CB8AC3E}">
-        <p14:creationId xmlns:p14="http://schemas.microsoft.com/office/powerpoint/2010/main" val="2703226377"/>
-      </p:ext>
-    </p:extLst>
-  </p:cSld>
-  <p:clrMapOvr>
-    <a:masterClrMapping/>
-  </p:clrMapOvr>
-  <p:timing>
-    <p:tnLst>
-      <p:par>
-        <p:cTn xmlns:p14="http://schemas.microsoft.com/office/powerpoint/2010/main" id="1" dur="indefinite" restart="never" nodeType="tmRoot"/>
-      </p:par>
-    </p:tnLst>
-  </p:timing>
-</p:sld>
-</file>
-
 <file path=ppt/theme/theme1.xml><?xml version="1.0" encoding="utf-8"?>
 <a:theme xmlns:a="http://schemas.openxmlformats.org/drawingml/2006/main" name="Office Theme">
   <a:themeElements>
